--- a/docs/diagrams/UiComponentClassDiagram.pptx
+++ b/docs/diagrams/UiComponentClassDiagram.pptx
@@ -208,7 +208,7 @@
           <a:p>
             <a:fld id="{F5CC4B3F-88C1-4FFA-B1B6-F41C21DC6924}" type="datetimeFigureOut">
               <a:rPr lang="en-US" smtClean="0"/>
-              <a:t>1/7/2017</a:t>
+              <a:t>4/15/2018</a:t>
             </a:fld>
             <a:endParaRPr lang="en-US"/>
           </a:p>
@@ -654,7 +654,7 @@
           <a:p>
             <a:fld id="{78C97017-6FC3-485B-9764-EAC9E56C1D49}" type="datetimeFigureOut">
               <a:rPr lang="en-US" smtClean="0"/>
-              <a:t>1/7/2017</a:t>
+              <a:t>4/15/2018</a:t>
             </a:fld>
             <a:endParaRPr lang="en-US"/>
           </a:p>
@@ -822,7 +822,7 @@
           <a:p>
             <a:fld id="{78C97017-6FC3-485B-9764-EAC9E56C1D49}" type="datetimeFigureOut">
               <a:rPr lang="en-US" smtClean="0"/>
-              <a:t>1/7/2017</a:t>
+              <a:t>4/15/2018</a:t>
             </a:fld>
             <a:endParaRPr lang="en-US"/>
           </a:p>
@@ -1000,7 +1000,7 @@
           <a:p>
             <a:fld id="{78C97017-6FC3-485B-9764-EAC9E56C1D49}" type="datetimeFigureOut">
               <a:rPr lang="en-US" smtClean="0"/>
-              <a:t>1/7/2017</a:t>
+              <a:t>4/15/2018</a:t>
             </a:fld>
             <a:endParaRPr lang="en-US"/>
           </a:p>
@@ -1168,7 +1168,7 @@
           <a:p>
             <a:fld id="{78C97017-6FC3-485B-9764-EAC9E56C1D49}" type="datetimeFigureOut">
               <a:rPr lang="en-US" smtClean="0"/>
-              <a:t>1/7/2017</a:t>
+              <a:t>4/15/2018</a:t>
             </a:fld>
             <a:endParaRPr lang="en-US"/>
           </a:p>
@@ -1413,7 +1413,7 @@
           <a:p>
             <a:fld id="{78C97017-6FC3-485B-9764-EAC9E56C1D49}" type="datetimeFigureOut">
               <a:rPr lang="en-US" smtClean="0"/>
-              <a:t>1/7/2017</a:t>
+              <a:t>4/15/2018</a:t>
             </a:fld>
             <a:endParaRPr lang="en-US"/>
           </a:p>
@@ -1698,7 +1698,7 @@
           <a:p>
             <a:fld id="{78C97017-6FC3-485B-9764-EAC9E56C1D49}" type="datetimeFigureOut">
               <a:rPr lang="en-US" smtClean="0"/>
-              <a:t>1/7/2017</a:t>
+              <a:t>4/15/2018</a:t>
             </a:fld>
             <a:endParaRPr lang="en-US"/>
           </a:p>
@@ -2117,7 +2117,7 @@
           <a:p>
             <a:fld id="{78C97017-6FC3-485B-9764-EAC9E56C1D49}" type="datetimeFigureOut">
               <a:rPr lang="en-US" smtClean="0"/>
-              <a:t>1/7/2017</a:t>
+              <a:t>4/15/2018</a:t>
             </a:fld>
             <a:endParaRPr lang="en-US"/>
           </a:p>
@@ -2234,7 +2234,7 @@
           <a:p>
             <a:fld id="{78C97017-6FC3-485B-9764-EAC9E56C1D49}" type="datetimeFigureOut">
               <a:rPr lang="en-US" smtClean="0"/>
-              <a:t>1/7/2017</a:t>
+              <a:t>4/15/2018</a:t>
             </a:fld>
             <a:endParaRPr lang="en-US"/>
           </a:p>
@@ -2329,7 +2329,7 @@
           <a:p>
             <a:fld id="{78C97017-6FC3-485B-9764-EAC9E56C1D49}" type="datetimeFigureOut">
               <a:rPr lang="en-US" smtClean="0"/>
-              <a:t>1/7/2017</a:t>
+              <a:t>4/15/2018</a:t>
             </a:fld>
             <a:endParaRPr lang="en-US"/>
           </a:p>
@@ -2604,7 +2604,7 @@
           <a:p>
             <a:fld id="{78C97017-6FC3-485B-9764-EAC9E56C1D49}" type="datetimeFigureOut">
               <a:rPr lang="en-US" smtClean="0"/>
-              <a:t>1/7/2017</a:t>
+              <a:t>4/15/2018</a:t>
             </a:fld>
             <a:endParaRPr lang="en-US"/>
           </a:p>
@@ -2856,7 +2856,7 @@
           <a:p>
             <a:fld id="{78C97017-6FC3-485B-9764-EAC9E56C1D49}" type="datetimeFigureOut">
               <a:rPr lang="en-US" smtClean="0"/>
-              <a:t>1/7/2017</a:t>
+              <a:t>4/15/2018</a:t>
             </a:fld>
             <a:endParaRPr lang="en-US"/>
           </a:p>
@@ -3067,7 +3067,7 @@
           <a:p>
             <a:fld id="{78C97017-6FC3-485B-9764-EAC9E56C1D49}" type="datetimeFigureOut">
               <a:rPr lang="en-US" smtClean="0"/>
-              <a:t>1/7/2017</a:t>
+              <a:t>4/15/2018</a:t>
             </a:fld>
             <a:endParaRPr lang="en-US"/>
           </a:p>
@@ -3451,7 +3451,7 @@
         <p:spPr>
           <a:xfrm>
             <a:off x="1217465" y="1447800"/>
-            <a:ext cx="4917083" cy="3962400"/>
+            <a:ext cx="5640535" cy="5105400"/>
           </a:xfrm>
           <a:prstGeom prst="roundRect">
             <a:avLst>
@@ -3825,8 +3825,8 @@
         </p:nvSpPr>
         <p:spPr>
           <a:xfrm rot="16200000">
-            <a:off x="5703829" y="2464877"/>
-            <a:ext cx="2362201" cy="328045"/>
+            <a:off x="6576553" y="2467765"/>
+            <a:ext cx="2475975" cy="423239"/>
           </a:xfrm>
           <a:prstGeom prst="roundRect">
             <a:avLst/>
@@ -3925,7 +3925,7 @@
                   </a:schemeClr>
                 </a:solidFill>
               </a:rPr>
-              <a:t>BrowserPanel</a:t>
+              <a:t>CenterPanel</a:t>
             </a:r>
             <a:endParaRPr lang="en-SG" sz="1050" b="1" dirty="0">
               <a:solidFill>
@@ -3945,7 +3945,7 @@
         </p:nvSpPr>
         <p:spPr>
           <a:xfrm>
-            <a:off x="2592527" y="4563759"/>
+            <a:off x="2592525" y="5630559"/>
             <a:ext cx="1093635" cy="236841"/>
           </a:xfrm>
           <a:prstGeom prst="rect">
@@ -4059,73 +4059,13 @@
       </p:sp>
       <p:sp>
         <p:nvSpPr>
-          <p:cNvPr id="37" name="Rectangle 11"/>
-          <p:cNvSpPr/>
-          <p:nvPr/>
-        </p:nvSpPr>
-        <p:spPr>
-          <a:xfrm>
-            <a:off x="3839323" y="4228801"/>
-            <a:ext cx="1040906" cy="236841"/>
-          </a:xfrm>
-          <a:prstGeom prst="rect">
-            <a:avLst/>
-          </a:prstGeom>
-          <a:ln w="19050">
-            <a:solidFill>
-              <a:schemeClr val="accent3"/>
-            </a:solidFill>
-          </a:ln>
-          <a:effectLst/>
-        </p:spPr>
-        <p:style>
-          <a:lnRef idx="1">
-            <a:schemeClr val="accent3"/>
-          </a:lnRef>
-          <a:fillRef idx="2">
-            <a:schemeClr val="accent3"/>
-          </a:fillRef>
-          <a:effectRef idx="1">
-            <a:schemeClr val="accent3"/>
-          </a:effectRef>
-          <a:fontRef idx="minor">
-            <a:schemeClr val="dk1"/>
-          </a:fontRef>
-        </p:style>
-        <p:txBody>
-          <a:bodyPr rtlCol="0" anchor="ctr"/>
-          <a:lstStyle/>
-          <a:p>
-            <a:pPr algn="ctr"/>
-            <a:r>
-              <a:rPr lang="en-US" sz="1050" b="1" dirty="0" err="1">
-                <a:solidFill>
-                  <a:schemeClr val="accent3">
-                    <a:lumMod val="75000"/>
-                  </a:schemeClr>
-                </a:solidFill>
-              </a:rPr>
-              <a:t>PersonCard</a:t>
-            </a:r>
-            <a:endParaRPr lang="en-SG" sz="1050" b="1" dirty="0">
-              <a:solidFill>
-                <a:schemeClr val="accent3">
-                  <a:lumMod val="75000"/>
-                </a:schemeClr>
-              </a:solidFill>
-            </a:endParaRPr>
-          </a:p>
-        </p:txBody>
-      </p:sp>
-      <p:sp>
-        <p:nvSpPr>
           <p:cNvPr id="38" name="Rectangle 11"/>
           <p:cNvSpPr/>
           <p:nvPr/>
         </p:nvSpPr>
         <p:spPr>
           <a:xfrm>
-            <a:off x="2592528" y="4966000"/>
+            <a:off x="2640165" y="6011559"/>
             <a:ext cx="1093635" cy="236841"/>
           </a:xfrm>
           <a:prstGeom prst="rect">
@@ -4419,8 +4359,8 @@
         </p:nvCxnSpPr>
         <p:spPr>
           <a:xfrm rot="16200000" flipH="1">
-            <a:off x="1597249" y="3686901"/>
-            <a:ext cx="1814155" cy="176401"/>
+            <a:off x="1063848" y="4220302"/>
+            <a:ext cx="2880955" cy="176399"/>
           </a:xfrm>
           <a:prstGeom prst="bentConnector2">
             <a:avLst/>
@@ -4459,8 +4399,8 @@
         </p:nvCxnSpPr>
         <p:spPr>
           <a:xfrm rot="16200000" flipH="1">
-            <a:off x="1184119" y="3676012"/>
-            <a:ext cx="2396440" cy="420377"/>
+            <a:off x="645503" y="4135318"/>
+            <a:ext cx="3442000" cy="547323"/>
           </a:xfrm>
           <a:prstGeom prst="bentConnector2">
             <a:avLst/>
@@ -4655,14 +4595,14 @@
           <p:cNvPr id="82" name="Elbow Connector 63"/>
           <p:cNvCxnSpPr>
             <a:stCxn id="16" idx="3"/>
-            <a:endCxn id="34" idx="3"/>
+            <a:endCxn id="123" idx="3"/>
           </p:cNvCxnSpPr>
           <p:nvPr/>
         </p:nvCxnSpPr>
         <p:spPr>
           <a:xfrm rot="5400000">
-            <a:off x="3867176" y="2104987"/>
-            <a:ext cx="1481780" cy="1843806"/>
+            <a:off x="4671973" y="2718234"/>
+            <a:ext cx="1290230" cy="425762"/>
           </a:xfrm>
           <a:prstGeom prst="bentConnector2">
             <a:avLst/>
@@ -4743,8 +4683,8 @@
         </p:nvCxnSpPr>
         <p:spPr>
           <a:xfrm rot="5400000">
-            <a:off x="3409976" y="2562187"/>
-            <a:ext cx="2396180" cy="1843807"/>
+            <a:off x="2876575" y="3095586"/>
+            <a:ext cx="3462980" cy="1843809"/>
           </a:xfrm>
           <a:prstGeom prst="bentConnector2">
             <a:avLst/>
@@ -4777,18 +4717,20 @@
         <p:nvCxnSpPr>
           <p:cNvPr id="94" name="Elbow Connector 63"/>
           <p:cNvCxnSpPr>
+            <a:cxnSpLocks/>
             <a:stCxn id="16" idx="3"/>
-            <a:endCxn id="38" idx="3"/>
           </p:cNvCxnSpPr>
           <p:nvPr/>
         </p:nvCxnSpPr>
         <p:spPr>
           <a:xfrm rot="5400000">
-            <a:off x="3208856" y="2763307"/>
-            <a:ext cx="2798421" cy="1843806"/>
-          </a:xfrm>
-          <a:prstGeom prst="bentConnector2">
-            <a:avLst/>
+            <a:off x="2712876" y="3326115"/>
+            <a:ext cx="3857209" cy="1776978"/>
+          </a:xfrm>
+          <a:prstGeom prst="bentConnector3">
+            <a:avLst>
+              <a:gd name="adj1" fmla="val 50000"/>
+            </a:avLst>
           </a:prstGeom>
           <a:ln w="6350">
             <a:solidFill>
@@ -4824,8 +4766,8 @@
         </p:nvCxnSpPr>
         <p:spPr>
           <a:xfrm rot="5400000" flipH="1" flipV="1">
-            <a:off x="4594921" y="-355061"/>
-            <a:ext cx="170724" cy="4081246"/>
+            <a:off x="5043541" y="-805533"/>
+            <a:ext cx="172577" cy="4980339"/>
           </a:xfrm>
           <a:prstGeom prst="bentConnector2">
             <a:avLst/>
@@ -4863,8 +4805,8 @@
         </p:nvSpPr>
         <p:spPr>
           <a:xfrm rot="16200000">
-            <a:off x="6213739" y="4560376"/>
-            <a:ext cx="1371599" cy="328045"/>
+            <a:off x="6768474" y="5079374"/>
+            <a:ext cx="2108261" cy="407113"/>
           </a:xfrm>
           <a:prstGeom prst="roundRect">
             <a:avLst/>
@@ -5202,6 +5144,7 @@
         <p:nvCxnSpPr>
           <p:cNvPr id="140" name="Elbow Connector 63"/>
           <p:cNvCxnSpPr>
+            <a:cxnSpLocks/>
             <a:stCxn id="16" idx="3"/>
             <a:endCxn id="36" idx="3"/>
           </p:cNvCxnSpPr>
@@ -5300,8 +5243,8 @@
         </p:nvSpPr>
         <p:spPr>
           <a:xfrm>
-            <a:off x="3687515" y="2828802"/>
-            <a:ext cx="3048000" cy="203200"/>
+            <a:off x="3687514" y="2819015"/>
+            <a:ext cx="3932485" cy="212987"/>
           </a:xfrm>
           <a:custGeom>
             <a:avLst/>
@@ -5376,31 +5319,406 @@
       </p:sp>
       <p:sp>
         <p:nvSpPr>
-          <p:cNvPr id="144" name="Rectangle 143"/>
+          <p:cNvPr id="118" name="Freeform 117"/>
           <p:cNvSpPr/>
           <p:nvPr/>
         </p:nvSpPr>
         <p:spPr>
+          <a:xfrm flipV="1">
+            <a:off x="4343400" y="4477820"/>
+            <a:ext cx="3275646" cy="282916"/>
+          </a:xfrm>
+          <a:custGeom>
+            <a:avLst/>
+            <a:gdLst>
+              <a:gd name="connsiteX0" fmla="*/ 0 w 3048000"/>
+              <a:gd name="connsiteY0" fmla="*/ 203200 h 203200"/>
+              <a:gd name="connsiteX1" fmla="*/ 221673 w 3048000"/>
+              <a:gd name="connsiteY1" fmla="*/ 0 h 203200"/>
+              <a:gd name="connsiteX2" fmla="*/ 3048000 w 3048000"/>
+              <a:gd name="connsiteY2" fmla="*/ 0 h 203200"/>
+            </a:gdLst>
+            <a:ahLst/>
+            <a:cxnLst>
+              <a:cxn ang="0">
+                <a:pos x="connsiteX0" y="connsiteY0"/>
+              </a:cxn>
+              <a:cxn ang="0">
+                <a:pos x="connsiteX1" y="connsiteY1"/>
+              </a:cxn>
+              <a:cxn ang="0">
+                <a:pos x="connsiteX2" y="connsiteY2"/>
+              </a:cxn>
+            </a:cxnLst>
+            <a:rect l="l" t="t" r="r" b="b"/>
+            <a:pathLst>
+              <a:path w="3048000" h="203200">
+                <a:moveTo>
+                  <a:pt x="0" y="203200"/>
+                </a:moveTo>
+                <a:lnTo>
+                  <a:pt x="221673" y="0"/>
+                </a:lnTo>
+                <a:lnTo>
+                  <a:pt x="3048000" y="0"/>
+                </a:lnTo>
+              </a:path>
+            </a:pathLst>
+          </a:custGeom>
+          <a:noFill/>
+          <a:ln w="19050">
+            <a:solidFill>
+              <a:schemeClr val="accent3"/>
+            </a:solidFill>
+            <a:prstDash val="sysDot"/>
+            <a:headEnd type="none" w="med" len="med"/>
+            <a:tailEnd type="arrow" w="med" len="med"/>
+          </a:ln>
+          <a:effectLst/>
+        </p:spPr>
+        <p:style>
+          <a:lnRef idx="1">
+            <a:schemeClr val="accent2"/>
+          </a:lnRef>
+          <a:fillRef idx="2">
+            <a:schemeClr val="accent2"/>
+          </a:fillRef>
+          <a:effectRef idx="1">
+            <a:schemeClr val="accent2"/>
+          </a:effectRef>
+          <a:fontRef idx="minor">
+            <a:schemeClr val="dk1"/>
+          </a:fontRef>
+        </p:style>
+        <p:txBody>
+          <a:bodyPr rtlCol="0" anchor="ctr"/>
+          <a:lstStyle/>
+          <a:p>
+            <a:pPr algn="ctr"/>
+            <a:endParaRPr lang="en-SG"/>
+          </a:p>
+        </p:txBody>
+      </p:sp>
+      <p:grpSp>
+        <p:nvGrpSpPr>
+          <p:cNvPr id="15" name="Group 14"/>
+          <p:cNvGrpSpPr/>
+          <p:nvPr/>
+        </p:nvGrpSpPr>
+        <p:grpSpPr>
           <a:xfrm>
-            <a:off x="5431573" y="4488138"/>
-            <a:ext cx="229325" cy="160062"/>
-          </a:xfrm>
-          <a:prstGeom prst="rect">
+            <a:off x="3837516" y="4824130"/>
+            <a:ext cx="3761154" cy="595651"/>
+            <a:chOff x="2295492" y="4563759"/>
+            <a:chExt cx="3761154" cy="595651"/>
+          </a:xfrm>
+        </p:grpSpPr>
+        <p:sp>
+          <p:nvSpPr>
+            <p:cNvPr id="65" name="Rectangle 11"/>
+            <p:cNvSpPr/>
+            <p:nvPr/>
+          </p:nvSpPr>
+          <p:spPr>
+            <a:xfrm>
+              <a:off x="2611933" y="4563759"/>
+              <a:ext cx="1093635" cy="236841"/>
+            </a:xfrm>
+            <a:prstGeom prst="rect">
+              <a:avLst/>
+            </a:prstGeom>
+            <a:ln w="19050">
+              <a:solidFill>
+                <a:schemeClr val="accent3"/>
+              </a:solidFill>
+            </a:ln>
+            <a:effectLst/>
+          </p:spPr>
+          <p:style>
+            <a:lnRef idx="1">
+              <a:schemeClr val="accent3"/>
+            </a:lnRef>
+            <a:fillRef idx="2">
+              <a:schemeClr val="accent3"/>
+            </a:fillRef>
+            <a:effectRef idx="1">
+              <a:schemeClr val="accent3"/>
+            </a:effectRef>
+            <a:fontRef idx="minor">
+              <a:schemeClr val="dk1"/>
+            </a:fontRef>
+          </p:style>
+          <p:txBody>
+            <a:bodyPr rtlCol="0" anchor="ctr"/>
+            <a:lstStyle/>
+            <a:p>
+              <a:pPr algn="ctr"/>
+              <a:r>
+                <a:rPr lang="en-US" sz="1050" b="1" dirty="0" err="1">
+                  <a:solidFill>
+                    <a:schemeClr val="accent3">
+                      <a:lumMod val="75000"/>
+                    </a:schemeClr>
+                  </a:solidFill>
+                </a:rPr>
+                <a:t>OrderListPanel</a:t>
+              </a:r>
+              <a:endParaRPr lang="en-SG" sz="1050" b="1" dirty="0">
+                <a:solidFill>
+                  <a:schemeClr val="accent3">
+                    <a:lumMod val="75000"/>
+                  </a:schemeClr>
+                </a:solidFill>
+              </a:endParaRPr>
+            </a:p>
+          </p:txBody>
+        </p:sp>
+        <p:sp>
+          <p:nvSpPr>
+            <p:cNvPr id="66" name="Rectangle 11"/>
+            <p:cNvSpPr/>
+            <p:nvPr/>
+          </p:nvSpPr>
+          <p:spPr>
+            <a:xfrm>
+              <a:off x="3858730" y="4780406"/>
+              <a:ext cx="1040906" cy="236841"/>
+            </a:xfrm>
+            <a:prstGeom prst="rect">
+              <a:avLst/>
+            </a:prstGeom>
+            <a:ln w="19050">
+              <a:solidFill>
+                <a:schemeClr val="accent3"/>
+              </a:solidFill>
+            </a:ln>
+            <a:effectLst/>
+          </p:spPr>
+          <p:style>
+            <a:lnRef idx="1">
+              <a:schemeClr val="accent3"/>
+            </a:lnRef>
+            <a:fillRef idx="2">
+              <a:schemeClr val="accent3"/>
+            </a:fillRef>
+            <a:effectRef idx="1">
+              <a:schemeClr val="accent3"/>
+            </a:effectRef>
+            <a:fontRef idx="minor">
+              <a:schemeClr val="dk1"/>
+            </a:fontRef>
+          </p:style>
+          <p:txBody>
+            <a:bodyPr rtlCol="0" anchor="ctr"/>
+            <a:lstStyle/>
+            <a:p>
+              <a:pPr algn="ctr"/>
+              <a:r>
+                <a:rPr lang="en-US" sz="1050" b="1" dirty="0" err="1">
+                  <a:solidFill>
+                    <a:schemeClr val="accent3">
+                      <a:lumMod val="75000"/>
+                    </a:schemeClr>
+                  </a:solidFill>
+                </a:rPr>
+                <a:t>OrderCard</a:t>
+              </a:r>
+              <a:endParaRPr lang="en-SG" sz="1050" b="1" dirty="0">
+                <a:solidFill>
+                  <a:schemeClr val="accent3">
+                    <a:lumMod val="75000"/>
+                  </a:schemeClr>
+                </a:solidFill>
+              </a:endParaRPr>
+            </a:p>
+          </p:txBody>
+        </p:sp>
+        <p:cxnSp>
+          <p:nvCxnSpPr>
+            <p:cNvPr id="67" name="Elbow Connector 63"/>
+            <p:cNvCxnSpPr/>
+            <p:nvPr/>
+          </p:nvCxnSpPr>
+          <p:spPr>
+            <a:xfrm flipV="1">
+              <a:off x="2295492" y="4661987"/>
+              <a:ext cx="319308" cy="118417"/>
+            </a:xfrm>
+            <a:prstGeom prst="bentConnector3">
+              <a:avLst>
+                <a:gd name="adj1" fmla="val 1187"/>
+              </a:avLst>
+            </a:prstGeom>
+            <a:ln w="19050">
+              <a:solidFill>
+                <a:schemeClr val="accent3"/>
+              </a:solidFill>
+              <a:headEnd type="none" w="med" len="med"/>
+              <a:tailEnd type="arrow" w="med" len="med"/>
+            </a:ln>
+            <a:effectLst/>
+          </p:spPr>
+          <p:style>
+            <a:lnRef idx="1">
+              <a:schemeClr val="accent2"/>
+            </a:lnRef>
+            <a:fillRef idx="2">
+              <a:schemeClr val="accent2"/>
+            </a:fillRef>
+            <a:effectRef idx="1">
+              <a:schemeClr val="accent2"/>
+            </a:effectRef>
+            <a:fontRef idx="minor">
+              <a:schemeClr val="dk1"/>
+            </a:fontRef>
+          </p:style>
+        </p:cxnSp>
+        <p:cxnSp>
+          <p:nvCxnSpPr>
+            <p:cNvPr id="69" name="Elbow Connector 68"/>
+            <p:cNvCxnSpPr>
+              <a:cxnSpLocks/>
+              <a:stCxn id="65" idx="2"/>
+            </p:cNvCxnSpPr>
+            <p:nvPr/>
+          </p:nvCxnSpPr>
+          <p:spPr>
+            <a:xfrm rot="16200000" flipH="1">
+              <a:off x="3459627" y="4499724"/>
+              <a:ext cx="98226" cy="699978"/>
+            </a:xfrm>
+            <a:prstGeom prst="bentConnector2">
+              <a:avLst/>
+            </a:prstGeom>
+            <a:ln w="19050">
+              <a:solidFill>
+                <a:schemeClr val="accent3"/>
+              </a:solidFill>
+              <a:headEnd type="none" w="med" len="med"/>
+              <a:tailEnd type="arrow" w="med" len="med"/>
+            </a:ln>
+            <a:effectLst/>
+          </p:spPr>
+          <p:style>
+            <a:lnRef idx="1">
+              <a:schemeClr val="accent2"/>
+            </a:lnRef>
+            <a:fillRef idx="2">
+              <a:schemeClr val="accent2"/>
+            </a:fillRef>
+            <a:effectRef idx="1">
+              <a:schemeClr val="accent2"/>
+            </a:effectRef>
+            <a:fontRef idx="minor">
+              <a:schemeClr val="dk1"/>
+            </a:fontRef>
+          </p:style>
+        </p:cxnSp>
+        <p:sp>
+          <p:nvSpPr>
+            <p:cNvPr id="71" name="Freeform 70"/>
+            <p:cNvSpPr/>
+            <p:nvPr/>
+          </p:nvSpPr>
+          <p:spPr>
+            <a:xfrm flipV="1">
+              <a:off x="4134205" y="5024312"/>
+              <a:ext cx="1922441" cy="135098"/>
+            </a:xfrm>
+            <a:custGeom>
+              <a:avLst/>
+              <a:gdLst>
+                <a:gd name="connsiteX0" fmla="*/ 0 w 3048000"/>
+                <a:gd name="connsiteY0" fmla="*/ 203200 h 203200"/>
+                <a:gd name="connsiteX1" fmla="*/ 221673 w 3048000"/>
+                <a:gd name="connsiteY1" fmla="*/ 0 h 203200"/>
+                <a:gd name="connsiteX2" fmla="*/ 3048000 w 3048000"/>
+                <a:gd name="connsiteY2" fmla="*/ 0 h 203200"/>
+              </a:gdLst>
+              <a:ahLst/>
+              <a:cxnLst>
+                <a:cxn ang="0">
+                  <a:pos x="connsiteX0" y="connsiteY0"/>
+                </a:cxn>
+                <a:cxn ang="0">
+                  <a:pos x="connsiteX1" y="connsiteY1"/>
+                </a:cxn>
+                <a:cxn ang="0">
+                  <a:pos x="connsiteX2" y="connsiteY2"/>
+                </a:cxn>
+              </a:cxnLst>
+              <a:rect l="l" t="t" r="r" b="b"/>
+              <a:pathLst>
+                <a:path w="3048000" h="203200">
+                  <a:moveTo>
+                    <a:pt x="0" y="203200"/>
+                  </a:moveTo>
+                  <a:lnTo>
+                    <a:pt x="221673" y="0"/>
+                  </a:lnTo>
+                  <a:lnTo>
+                    <a:pt x="3048000" y="0"/>
+                  </a:lnTo>
+                </a:path>
+              </a:pathLst>
+            </a:custGeom>
+            <a:noFill/>
+            <a:ln w="19050">
+              <a:solidFill>
+                <a:schemeClr val="accent3"/>
+              </a:solidFill>
+              <a:prstDash val="sysDot"/>
+              <a:headEnd type="none" w="med" len="med"/>
+              <a:tailEnd type="arrow" w="med" len="med"/>
+            </a:ln>
+            <a:effectLst/>
+          </p:spPr>
+          <p:style>
+            <a:lnRef idx="1">
+              <a:schemeClr val="accent2"/>
+            </a:lnRef>
+            <a:fillRef idx="2">
+              <a:schemeClr val="accent2"/>
+            </a:fillRef>
+            <a:effectRef idx="1">
+              <a:schemeClr val="accent2"/>
+            </a:effectRef>
+            <a:fontRef idx="minor">
+              <a:schemeClr val="dk1"/>
+            </a:fontRef>
+          </p:style>
+          <p:txBody>
+            <a:bodyPr rtlCol="0" anchor="ctr"/>
+            <a:lstStyle/>
+            <a:p>
+              <a:pPr algn="ctr"/>
+              <a:endParaRPr lang="en-SG"/>
+            </a:p>
+          </p:txBody>
+        </p:sp>
+      </p:grpSp>
+      <p:sp>
+        <p:nvSpPr>
+          <p:cNvPr id="84" name="Flowchart: Decision 38"/>
+          <p:cNvSpPr/>
+          <p:nvPr/>
+        </p:nvSpPr>
+        <p:spPr>
+          <a:xfrm>
+            <a:off x="3713718" y="3693549"/>
+            <a:ext cx="120513" cy="116451"/>
+          </a:xfrm>
+          <a:prstGeom prst="flowChartDecision">
             <a:avLst/>
           </a:prstGeom>
           <a:solidFill>
-            <a:schemeClr val="accent3">
-              <a:lumMod val="20000"/>
-              <a:lumOff val="80000"/>
-              <a:alpha val="80000"/>
-            </a:schemeClr>
+            <a:schemeClr val="accent3"/>
           </a:solidFill>
           <a:ln>
-            <a:noFill/>
+            <a:solidFill>
+              <a:schemeClr val="accent3"/>
+            </a:solidFill>
           </a:ln>
-          <a:effectLst>
-            <a:softEdge rad="31750"/>
-          </a:effectLst>
         </p:spPr>
         <p:style>
           <a:lnRef idx="2">
@@ -5427,16 +5745,906 @@
           </a:p>
         </p:txBody>
       </p:sp>
-      <p:sp>
-        <p:nvSpPr>
-          <p:cNvPr id="118" name="Freeform 117"/>
+      <p:cxnSp>
+        <p:nvCxnSpPr>
+          <p:cNvPr id="95" name="Elbow Connector 63"/>
+          <p:cNvCxnSpPr/>
+          <p:nvPr/>
+        </p:nvCxnSpPr>
+        <p:spPr>
+          <a:xfrm>
+            <a:off x="2423665" y="5079197"/>
+            <a:ext cx="198675" cy="2"/>
+          </a:xfrm>
+          <a:prstGeom prst="bentConnector3">
+            <a:avLst>
+              <a:gd name="adj1" fmla="val 50000"/>
+            </a:avLst>
+          </a:prstGeom>
+          <a:ln w="19050">
+            <a:solidFill>
+              <a:schemeClr val="accent3"/>
+            </a:solidFill>
+            <a:headEnd type="none" w="med" len="med"/>
+            <a:tailEnd type="arrow" w="med" len="med"/>
+          </a:ln>
+          <a:effectLst/>
+        </p:spPr>
+        <p:style>
+          <a:lnRef idx="1">
+            <a:schemeClr val="accent2"/>
+          </a:lnRef>
+          <a:fillRef idx="2">
+            <a:schemeClr val="accent2"/>
+          </a:fillRef>
+          <a:effectRef idx="1">
+            <a:schemeClr val="accent2"/>
+          </a:effectRef>
+          <a:fontRef idx="minor">
+            <a:schemeClr val="dk1"/>
+          </a:fontRef>
+        </p:style>
+      </p:cxnSp>
+      <p:sp>
+        <p:nvSpPr>
+          <p:cNvPr id="98" name="Rectangle 11"/>
           <p:cNvSpPr/>
           <p:nvPr/>
         </p:nvSpPr>
         <p:spPr>
+          <a:xfrm>
+            <a:off x="2600065" y="4944759"/>
+            <a:ext cx="1093635" cy="236841"/>
+          </a:xfrm>
+          <a:prstGeom prst="rect">
+            <a:avLst/>
+          </a:prstGeom>
+          <a:ln w="19050">
+            <a:solidFill>
+              <a:schemeClr val="accent3"/>
+            </a:solidFill>
+          </a:ln>
+          <a:effectLst/>
+        </p:spPr>
+        <p:style>
+          <a:lnRef idx="1">
+            <a:schemeClr val="accent3"/>
+          </a:lnRef>
+          <a:fillRef idx="2">
+            <a:schemeClr val="accent3"/>
+          </a:fillRef>
+          <a:effectRef idx="1">
+            <a:schemeClr val="accent3"/>
+          </a:effectRef>
+          <a:fontRef idx="minor">
+            <a:schemeClr val="dk1"/>
+          </a:fontRef>
+        </p:style>
+        <p:txBody>
+          <a:bodyPr rtlCol="0" anchor="ctr"/>
+          <a:lstStyle/>
+          <a:p>
+            <a:pPr algn="ctr"/>
+            <a:r>
+              <a:rPr lang="en-US" sz="1050" b="1" dirty="0" err="1">
+                <a:solidFill>
+                  <a:schemeClr val="accent3">
+                    <a:lumMod val="75000"/>
+                  </a:schemeClr>
+                </a:solidFill>
+              </a:rPr>
+              <a:t>RightPanel</a:t>
+            </a:r>
+            <a:endParaRPr lang="en-SG" sz="1050" b="1" dirty="0">
+              <a:solidFill>
+                <a:schemeClr val="accent3">
+                  <a:lumMod val="75000"/>
+                </a:schemeClr>
+              </a:solidFill>
+            </a:endParaRPr>
+          </a:p>
+        </p:txBody>
+      </p:sp>
+      <p:sp>
+        <p:nvSpPr>
+          <p:cNvPr id="99" name="Flowchart: Decision 38"/>
+          <p:cNvSpPr/>
+          <p:nvPr/>
+        </p:nvSpPr>
+        <p:spPr>
+          <a:xfrm>
+            <a:off x="3708970" y="4995665"/>
+            <a:ext cx="120513" cy="116451"/>
+          </a:xfrm>
+          <a:prstGeom prst="flowChartDecision">
+            <a:avLst/>
+          </a:prstGeom>
+          <a:solidFill>
+            <a:schemeClr val="accent3"/>
+          </a:solidFill>
+          <a:ln>
+            <a:solidFill>
+              <a:schemeClr val="accent3"/>
+            </a:solidFill>
+          </a:ln>
+        </p:spPr>
+        <p:style>
+          <a:lnRef idx="2">
+            <a:schemeClr val="accent1">
+              <a:shade val="50000"/>
+            </a:schemeClr>
+          </a:lnRef>
+          <a:fillRef idx="1">
+            <a:schemeClr val="accent1"/>
+          </a:fillRef>
+          <a:effectRef idx="0">
+            <a:schemeClr val="accent1"/>
+          </a:effectRef>
+          <a:fontRef idx="minor">
+            <a:schemeClr val="lt1"/>
+          </a:fontRef>
+        </p:style>
+        <p:txBody>
+          <a:bodyPr rtlCol="0" anchor="ctr"/>
+          <a:lstStyle/>
+          <a:p>
+            <a:pPr algn="ctr"/>
+            <a:endParaRPr lang="en-SG"/>
+          </a:p>
+        </p:txBody>
+      </p:sp>
+      <p:cxnSp>
+        <p:nvCxnSpPr>
+          <p:cNvPr id="110" name="Elbow Connector 63"/>
+          <p:cNvCxnSpPr/>
+          <p:nvPr/>
+        </p:nvCxnSpPr>
+        <p:spPr>
+          <a:xfrm rot="16200000" flipH="1">
+            <a:off x="3811334" y="3770912"/>
+            <a:ext cx="222196" cy="176402"/>
+          </a:xfrm>
+          <a:prstGeom prst="bentConnector2">
+            <a:avLst/>
+          </a:prstGeom>
+          <a:ln w="19050">
+            <a:solidFill>
+              <a:schemeClr val="accent3"/>
+            </a:solidFill>
+            <a:headEnd type="none" w="med" len="med"/>
+            <a:tailEnd type="arrow" w="med" len="med"/>
+          </a:ln>
+          <a:effectLst/>
+        </p:spPr>
+        <p:style>
+          <a:lnRef idx="1">
+            <a:schemeClr val="accent2"/>
+          </a:lnRef>
+          <a:fillRef idx="2">
+            <a:schemeClr val="accent2"/>
+          </a:fillRef>
+          <a:effectRef idx="1">
+            <a:schemeClr val="accent2"/>
+          </a:effectRef>
+          <a:fontRef idx="minor">
+            <a:schemeClr val="dk1"/>
+          </a:fontRef>
+        </p:style>
+      </p:cxnSp>
+      <p:cxnSp>
+        <p:nvCxnSpPr>
+          <p:cNvPr id="112" name="Elbow Connector 63"/>
+          <p:cNvCxnSpPr/>
+          <p:nvPr/>
+        </p:nvCxnSpPr>
+        <p:spPr>
           <a:xfrm flipV="1">
-            <a:off x="4114799" y="4472708"/>
-            <a:ext cx="2642195" cy="101600"/>
+            <a:off x="3810000" y="3587493"/>
+            <a:ext cx="200633" cy="145841"/>
+          </a:xfrm>
+          <a:prstGeom prst="bentConnector3">
+            <a:avLst>
+              <a:gd name="adj1" fmla="val 13746"/>
+            </a:avLst>
+          </a:prstGeom>
+          <a:ln w="19050">
+            <a:solidFill>
+              <a:schemeClr val="accent3"/>
+            </a:solidFill>
+            <a:headEnd type="none" w="med" len="med"/>
+            <a:tailEnd type="arrow" w="med" len="med"/>
+          </a:ln>
+          <a:effectLst/>
+        </p:spPr>
+        <p:style>
+          <a:lnRef idx="1">
+            <a:schemeClr val="accent2"/>
+          </a:lnRef>
+          <a:fillRef idx="2">
+            <a:schemeClr val="accent2"/>
+          </a:fillRef>
+          <a:effectRef idx="1">
+            <a:schemeClr val="accent2"/>
+          </a:effectRef>
+          <a:fontRef idx="minor">
+            <a:schemeClr val="dk1"/>
+          </a:fontRef>
+        </p:style>
+      </p:cxnSp>
+      <p:sp>
+        <p:nvSpPr>
+          <p:cNvPr id="123" name="Rectangle 11"/>
+          <p:cNvSpPr/>
+          <p:nvPr/>
+        </p:nvSpPr>
+        <p:spPr>
+          <a:xfrm>
+            <a:off x="4010572" y="3457809"/>
+            <a:ext cx="1093635" cy="236841"/>
+          </a:xfrm>
+          <a:prstGeom prst="rect">
+            <a:avLst/>
+          </a:prstGeom>
+          <a:ln w="19050">
+            <a:solidFill>
+              <a:schemeClr val="accent3"/>
+            </a:solidFill>
+          </a:ln>
+          <a:effectLst/>
+        </p:spPr>
+        <p:style>
+          <a:lnRef idx="1">
+            <a:schemeClr val="accent3"/>
+          </a:lnRef>
+          <a:fillRef idx="2">
+            <a:schemeClr val="accent3"/>
+          </a:fillRef>
+          <a:effectRef idx="1">
+            <a:schemeClr val="accent3"/>
+          </a:effectRef>
+          <a:fontRef idx="minor">
+            <a:schemeClr val="dk1"/>
+          </a:fontRef>
+        </p:style>
+        <p:txBody>
+          <a:bodyPr rtlCol="0" anchor="ctr"/>
+          <a:lstStyle/>
+          <a:p>
+            <a:pPr algn="ctr"/>
+            <a:r>
+              <a:rPr lang="en-US" sz="1050" b="1">
+                <a:solidFill>
+                  <a:schemeClr val="accent3">
+                    <a:lumMod val="75000"/>
+                  </a:schemeClr>
+                </a:solidFill>
+              </a:rPr>
+              <a:t>PersonPanel</a:t>
+            </a:r>
+            <a:endParaRPr lang="en-SG" sz="1050" b="1" dirty="0">
+              <a:solidFill>
+                <a:schemeClr val="accent3">
+                  <a:lumMod val="75000"/>
+                </a:schemeClr>
+              </a:solidFill>
+            </a:endParaRPr>
+          </a:p>
+        </p:txBody>
+      </p:sp>
+      <p:cxnSp>
+        <p:nvCxnSpPr>
+          <p:cNvPr id="125" name="Elbow Connector 63"/>
+          <p:cNvCxnSpPr/>
+          <p:nvPr/>
+        </p:nvCxnSpPr>
+        <p:spPr>
+          <a:xfrm rot="5400000">
+            <a:off x="4678063" y="3066998"/>
+            <a:ext cx="1290230" cy="425762"/>
+          </a:xfrm>
+          <a:prstGeom prst="bentConnector2">
+            <a:avLst/>
+          </a:prstGeom>
+          <a:ln w="6350">
+            <a:solidFill>
+              <a:schemeClr val="accent3"/>
+            </a:solidFill>
+            <a:headEnd type="none" w="med" len="med"/>
+            <a:tailEnd type="none" w="med" len="med"/>
+          </a:ln>
+          <a:effectLst/>
+        </p:spPr>
+        <p:style>
+          <a:lnRef idx="1">
+            <a:schemeClr val="accent2"/>
+          </a:lnRef>
+          <a:fillRef idx="2">
+            <a:schemeClr val="accent2"/>
+          </a:fillRef>
+          <a:effectRef idx="1">
+            <a:schemeClr val="accent2"/>
+          </a:effectRef>
+          <a:fontRef idx="minor">
+            <a:schemeClr val="dk1"/>
+          </a:fontRef>
+        </p:style>
+      </p:cxnSp>
+      <p:sp>
+        <p:nvSpPr>
+          <p:cNvPr id="126" name="Freeform 125"/>
+          <p:cNvSpPr/>
+          <p:nvPr/>
+        </p:nvSpPr>
+        <p:spPr>
+          <a:xfrm flipV="1">
+            <a:off x="5012226" y="3691779"/>
+            <a:ext cx="2606820" cy="722301"/>
+          </a:xfrm>
+          <a:custGeom>
+            <a:avLst/>
+            <a:gdLst>
+              <a:gd name="connsiteX0" fmla="*/ 0 w 3048000"/>
+              <a:gd name="connsiteY0" fmla="*/ 203200 h 203200"/>
+              <a:gd name="connsiteX1" fmla="*/ 221673 w 3048000"/>
+              <a:gd name="connsiteY1" fmla="*/ 0 h 203200"/>
+              <a:gd name="connsiteX2" fmla="*/ 3048000 w 3048000"/>
+              <a:gd name="connsiteY2" fmla="*/ 0 h 203200"/>
+            </a:gdLst>
+            <a:ahLst/>
+            <a:cxnLst>
+              <a:cxn ang="0">
+                <a:pos x="connsiteX0" y="connsiteY0"/>
+              </a:cxn>
+              <a:cxn ang="0">
+                <a:pos x="connsiteX1" y="connsiteY1"/>
+              </a:cxn>
+              <a:cxn ang="0">
+                <a:pos x="connsiteX2" y="connsiteY2"/>
+              </a:cxn>
+            </a:cxnLst>
+            <a:rect l="l" t="t" r="r" b="b"/>
+            <a:pathLst>
+              <a:path w="3048000" h="203200">
+                <a:moveTo>
+                  <a:pt x="0" y="203200"/>
+                </a:moveTo>
+                <a:lnTo>
+                  <a:pt x="221673" y="0"/>
+                </a:lnTo>
+                <a:lnTo>
+                  <a:pt x="3048000" y="0"/>
+                </a:lnTo>
+              </a:path>
+            </a:pathLst>
+          </a:custGeom>
+          <a:noFill/>
+          <a:ln w="19050">
+            <a:solidFill>
+              <a:schemeClr val="accent3"/>
+            </a:solidFill>
+            <a:prstDash val="sysDot"/>
+            <a:headEnd type="none" w="med" len="med"/>
+            <a:tailEnd type="arrow" w="med" len="med"/>
+          </a:ln>
+          <a:effectLst/>
+        </p:spPr>
+        <p:style>
+          <a:lnRef idx="1">
+            <a:schemeClr val="accent2"/>
+          </a:lnRef>
+          <a:fillRef idx="2">
+            <a:schemeClr val="accent2"/>
+          </a:fillRef>
+          <a:effectRef idx="1">
+            <a:schemeClr val="accent2"/>
+          </a:effectRef>
+          <a:fontRef idx="minor">
+            <a:schemeClr val="dk1"/>
+          </a:fontRef>
+        </p:style>
+        <p:txBody>
+          <a:bodyPr rtlCol="0" anchor="ctr"/>
+          <a:lstStyle/>
+          <a:p>
+            <a:pPr algn="ctr"/>
+            <a:endParaRPr lang="en-SG"/>
+          </a:p>
+        </p:txBody>
+      </p:sp>
+      <p:sp>
+        <p:nvSpPr>
+          <p:cNvPr id="127" name="Freeform 126"/>
+          <p:cNvSpPr/>
+          <p:nvPr/>
+        </p:nvSpPr>
+        <p:spPr>
+          <a:xfrm flipV="1">
+            <a:off x="4899636" y="4038600"/>
+            <a:ext cx="2719410" cy="555084"/>
+          </a:xfrm>
+          <a:custGeom>
+            <a:avLst/>
+            <a:gdLst>
+              <a:gd name="connsiteX0" fmla="*/ 0 w 3048000"/>
+              <a:gd name="connsiteY0" fmla="*/ 203200 h 203200"/>
+              <a:gd name="connsiteX1" fmla="*/ 221673 w 3048000"/>
+              <a:gd name="connsiteY1" fmla="*/ 0 h 203200"/>
+              <a:gd name="connsiteX2" fmla="*/ 3048000 w 3048000"/>
+              <a:gd name="connsiteY2" fmla="*/ 0 h 203200"/>
+            </a:gdLst>
+            <a:ahLst/>
+            <a:cxnLst>
+              <a:cxn ang="0">
+                <a:pos x="connsiteX0" y="connsiteY0"/>
+              </a:cxn>
+              <a:cxn ang="0">
+                <a:pos x="connsiteX1" y="connsiteY1"/>
+              </a:cxn>
+              <a:cxn ang="0">
+                <a:pos x="connsiteX2" y="connsiteY2"/>
+              </a:cxn>
+            </a:cxnLst>
+            <a:rect l="l" t="t" r="r" b="b"/>
+            <a:pathLst>
+              <a:path w="3048000" h="203200">
+                <a:moveTo>
+                  <a:pt x="0" y="203200"/>
+                </a:moveTo>
+                <a:lnTo>
+                  <a:pt x="221673" y="0"/>
+                </a:lnTo>
+                <a:lnTo>
+                  <a:pt x="3048000" y="0"/>
+                </a:lnTo>
+              </a:path>
+            </a:pathLst>
+          </a:custGeom>
+          <a:noFill/>
+          <a:ln w="19050">
+            <a:solidFill>
+              <a:schemeClr val="accent3"/>
+            </a:solidFill>
+            <a:prstDash val="sysDot"/>
+            <a:headEnd type="none" w="med" len="med"/>
+            <a:tailEnd type="arrow" w="med" len="med"/>
+          </a:ln>
+          <a:effectLst/>
+        </p:spPr>
+        <p:style>
+          <a:lnRef idx="1">
+            <a:schemeClr val="accent2"/>
+          </a:lnRef>
+          <a:fillRef idx="2">
+            <a:schemeClr val="accent2"/>
+          </a:fillRef>
+          <a:effectRef idx="1">
+            <a:schemeClr val="accent2"/>
+          </a:effectRef>
+          <a:fontRef idx="minor">
+            <a:schemeClr val="dk1"/>
+          </a:fontRef>
+        </p:style>
+        <p:txBody>
+          <a:bodyPr rtlCol="0" anchor="ctr"/>
+          <a:lstStyle/>
+          <a:p>
+            <a:pPr algn="ctr"/>
+            <a:endParaRPr lang="en-SG"/>
+          </a:p>
+        </p:txBody>
+      </p:sp>
+      <p:sp>
+        <p:nvSpPr>
+          <p:cNvPr id="37" name="Rectangle 11"/>
+          <p:cNvSpPr/>
+          <p:nvPr/>
+        </p:nvSpPr>
+        <p:spPr>
+          <a:xfrm>
+            <a:off x="3839323" y="4228801"/>
+            <a:ext cx="1040906" cy="236841"/>
+          </a:xfrm>
+          <a:prstGeom prst="rect">
+            <a:avLst/>
+          </a:prstGeom>
+          <a:ln w="19050">
+            <a:solidFill>
+              <a:schemeClr val="accent3"/>
+            </a:solidFill>
+          </a:ln>
+          <a:effectLst/>
+        </p:spPr>
+        <p:style>
+          <a:lnRef idx="1">
+            <a:schemeClr val="accent3"/>
+          </a:lnRef>
+          <a:fillRef idx="2">
+            <a:schemeClr val="accent3"/>
+          </a:fillRef>
+          <a:effectRef idx="1">
+            <a:schemeClr val="accent3"/>
+          </a:effectRef>
+          <a:fontRef idx="minor">
+            <a:schemeClr val="dk1"/>
+          </a:fontRef>
+        </p:style>
+        <p:txBody>
+          <a:bodyPr rtlCol="0" anchor="ctr"/>
+          <a:lstStyle/>
+          <a:p>
+            <a:pPr algn="ctr"/>
+            <a:r>
+              <a:rPr lang="en-US" sz="1050" b="1" dirty="0" err="1">
+                <a:solidFill>
+                  <a:schemeClr val="accent3">
+                    <a:lumMod val="75000"/>
+                  </a:schemeClr>
+                </a:solidFill>
+              </a:rPr>
+              <a:t>PersonCard</a:t>
+            </a:r>
+            <a:endParaRPr lang="en-SG" sz="1050" b="1" dirty="0">
+              <a:solidFill>
+                <a:schemeClr val="accent3">
+                  <a:lumMod val="75000"/>
+                </a:schemeClr>
+              </a:solidFill>
+            </a:endParaRPr>
+          </a:p>
+        </p:txBody>
+      </p:sp>
+      <p:sp>
+        <p:nvSpPr>
+          <p:cNvPr id="111" name="Rectangle 11"/>
+          <p:cNvSpPr/>
+          <p:nvPr/>
+        </p:nvSpPr>
+        <p:spPr>
+          <a:xfrm>
+            <a:off x="4013465" y="3824334"/>
+            <a:ext cx="1093635" cy="236841"/>
+          </a:xfrm>
+          <a:prstGeom prst="rect">
+            <a:avLst/>
+          </a:prstGeom>
+          <a:ln w="19050">
+            <a:solidFill>
+              <a:schemeClr val="accent3"/>
+            </a:solidFill>
+          </a:ln>
+          <a:effectLst/>
+        </p:spPr>
+        <p:style>
+          <a:lnRef idx="1">
+            <a:schemeClr val="accent3"/>
+          </a:lnRef>
+          <a:fillRef idx="2">
+            <a:schemeClr val="accent3"/>
+          </a:fillRef>
+          <a:effectRef idx="1">
+            <a:schemeClr val="accent3"/>
+          </a:effectRef>
+          <a:fontRef idx="minor">
+            <a:schemeClr val="dk1"/>
+          </a:fontRef>
+        </p:style>
+        <p:txBody>
+          <a:bodyPr rtlCol="0" anchor="ctr"/>
+          <a:lstStyle/>
+          <a:p>
+            <a:pPr algn="ctr"/>
+            <a:r>
+              <a:rPr lang="en-US" sz="1050" b="1" dirty="0" err="1">
+                <a:solidFill>
+                  <a:schemeClr val="accent3">
+                    <a:lumMod val="75000"/>
+                  </a:schemeClr>
+                </a:solidFill>
+              </a:rPr>
+              <a:t>CalendarPanel</a:t>
+            </a:r>
+            <a:endParaRPr lang="en-SG" sz="1050" b="1" dirty="0">
+              <a:solidFill>
+                <a:schemeClr val="accent3">
+                  <a:lumMod val="75000"/>
+                </a:schemeClr>
+              </a:solidFill>
+            </a:endParaRPr>
+          </a:p>
+        </p:txBody>
+      </p:sp>
+      <p:cxnSp>
+        <p:nvCxnSpPr>
+          <p:cNvPr id="70" name="Elbow Connector 63">
+            <a:extLst>
+              <a:ext uri="{FF2B5EF4-FFF2-40B4-BE49-F238E27FC236}">
+                <a16:creationId xmlns:a16="http://schemas.microsoft.com/office/drawing/2014/main" id="{7E79EFA5-53AB-4987-BA13-051D0C1B541A}"/>
+              </a:ext>
+            </a:extLst>
+          </p:cNvPr>
+          <p:cNvCxnSpPr/>
+          <p:nvPr/>
+        </p:nvCxnSpPr>
+        <p:spPr>
+          <a:xfrm>
+            <a:off x="2576065" y="5231597"/>
+            <a:ext cx="198675" cy="2"/>
+          </a:xfrm>
+          <a:prstGeom prst="bentConnector3">
+            <a:avLst>
+              <a:gd name="adj1" fmla="val 50000"/>
+            </a:avLst>
+          </a:prstGeom>
+          <a:ln w="19050">
+            <a:solidFill>
+              <a:schemeClr val="accent3"/>
+            </a:solidFill>
+            <a:headEnd type="none" w="med" len="med"/>
+            <a:tailEnd type="arrow" w="med" len="med"/>
+          </a:ln>
+          <a:effectLst/>
+        </p:spPr>
+        <p:style>
+          <a:lnRef idx="1">
+            <a:schemeClr val="accent2"/>
+          </a:lnRef>
+          <a:fillRef idx="2">
+            <a:schemeClr val="accent2"/>
+          </a:fillRef>
+          <a:effectRef idx="1">
+            <a:schemeClr val="accent2"/>
+          </a:effectRef>
+          <a:fontRef idx="minor">
+            <a:schemeClr val="dk1"/>
+          </a:fontRef>
+        </p:style>
+      </p:cxnSp>
+      <p:sp>
+        <p:nvSpPr>
+          <p:cNvPr id="72" name="Rectangle 11">
+            <a:extLst>
+              <a:ext uri="{FF2B5EF4-FFF2-40B4-BE49-F238E27FC236}">
+                <a16:creationId xmlns:a16="http://schemas.microsoft.com/office/drawing/2014/main" id="{6FF38074-7957-45BE-8064-35392536F2DC}"/>
+              </a:ext>
+            </a:extLst>
+          </p:cNvPr>
+          <p:cNvSpPr/>
+          <p:nvPr/>
+        </p:nvSpPr>
+        <p:spPr>
+          <a:xfrm>
+            <a:off x="4083986" y="5357318"/>
+            <a:ext cx="1175792" cy="323804"/>
+          </a:xfrm>
+          <a:prstGeom prst="rect">
+            <a:avLst/>
+          </a:prstGeom>
+          <a:ln w="19050">
+            <a:solidFill>
+              <a:schemeClr val="accent3"/>
+            </a:solidFill>
+          </a:ln>
+          <a:effectLst/>
+        </p:spPr>
+        <p:style>
+          <a:lnRef idx="1">
+            <a:schemeClr val="accent3"/>
+          </a:lnRef>
+          <a:fillRef idx="2">
+            <a:schemeClr val="accent3"/>
+          </a:fillRef>
+          <a:effectRef idx="1">
+            <a:schemeClr val="accent3"/>
+          </a:effectRef>
+          <a:fontRef idx="minor">
+            <a:schemeClr val="dk1"/>
+          </a:fontRef>
+        </p:style>
+        <p:txBody>
+          <a:bodyPr rtlCol="0" anchor="ctr"/>
+          <a:lstStyle/>
+          <a:p>
+            <a:pPr algn="ctr"/>
+            <a:r>
+              <a:rPr lang="en-US" sz="1050" b="1" dirty="0" err="1">
+                <a:solidFill>
+                  <a:schemeClr val="accent3">
+                    <a:lumMod val="75000"/>
+                  </a:schemeClr>
+                </a:solidFill>
+              </a:rPr>
+              <a:t>CalendarEntryListPanel</a:t>
+            </a:r>
+            <a:endParaRPr lang="en-SG" sz="1050" b="1" dirty="0">
+              <a:solidFill>
+                <a:schemeClr val="accent3">
+                  <a:lumMod val="75000"/>
+                </a:schemeClr>
+              </a:solidFill>
+            </a:endParaRPr>
+          </a:p>
+        </p:txBody>
+      </p:sp>
+      <p:sp>
+        <p:nvSpPr>
+          <p:cNvPr id="83" name="Rectangle 11">
+            <a:extLst>
+              <a:ext uri="{FF2B5EF4-FFF2-40B4-BE49-F238E27FC236}">
+                <a16:creationId xmlns:a16="http://schemas.microsoft.com/office/drawing/2014/main" id="{0851CFB5-7A89-4DF4-9DE6-D8BA3EFB35BA}"/>
+              </a:ext>
+            </a:extLst>
+          </p:cNvPr>
+          <p:cNvSpPr/>
+          <p:nvPr/>
+        </p:nvSpPr>
+        <p:spPr>
+          <a:xfrm>
+            <a:off x="5316382" y="5808027"/>
+            <a:ext cx="1237791" cy="277996"/>
+          </a:xfrm>
+          <a:prstGeom prst="rect">
+            <a:avLst/>
+          </a:prstGeom>
+          <a:ln w="19050">
+            <a:solidFill>
+              <a:schemeClr val="accent3"/>
+            </a:solidFill>
+          </a:ln>
+          <a:effectLst/>
+        </p:spPr>
+        <p:style>
+          <a:lnRef idx="1">
+            <a:schemeClr val="accent3"/>
+          </a:lnRef>
+          <a:fillRef idx="2">
+            <a:schemeClr val="accent3"/>
+          </a:fillRef>
+          <a:effectRef idx="1">
+            <a:schemeClr val="accent3"/>
+          </a:effectRef>
+          <a:fontRef idx="minor">
+            <a:schemeClr val="dk1"/>
+          </a:fontRef>
+        </p:style>
+        <p:txBody>
+          <a:bodyPr rtlCol="0" anchor="ctr"/>
+          <a:lstStyle/>
+          <a:p>
+            <a:pPr algn="ctr"/>
+            <a:r>
+              <a:rPr lang="en-US" sz="1050" b="1" dirty="0" err="1">
+                <a:solidFill>
+                  <a:schemeClr val="accent3">
+                    <a:lumMod val="75000"/>
+                  </a:schemeClr>
+                </a:solidFill>
+              </a:rPr>
+              <a:t>CalendarEntryCard</a:t>
+            </a:r>
+            <a:endParaRPr lang="en-SG" sz="1050" b="1" dirty="0">
+              <a:solidFill>
+                <a:schemeClr val="accent3">
+                  <a:lumMod val="75000"/>
+                </a:schemeClr>
+              </a:solidFill>
+            </a:endParaRPr>
+          </a:p>
+        </p:txBody>
+      </p:sp>
+      <p:cxnSp>
+        <p:nvCxnSpPr>
+          <p:cNvPr id="85" name="Elbow Connector 79">
+            <a:extLst>
+              <a:ext uri="{FF2B5EF4-FFF2-40B4-BE49-F238E27FC236}">
+                <a16:creationId xmlns:a16="http://schemas.microsoft.com/office/drawing/2014/main" id="{0B18D92E-9522-4881-9058-83DADAB836B2}"/>
+              </a:ext>
+            </a:extLst>
+          </p:cNvPr>
+          <p:cNvCxnSpPr>
+            <a:cxnSpLocks/>
+            <a:stCxn id="72" idx="2"/>
+            <a:endCxn id="83" idx="1"/>
+          </p:cNvCxnSpPr>
+          <p:nvPr/>
+        </p:nvCxnSpPr>
+        <p:spPr>
+          <a:xfrm rot="16200000" flipH="1">
+            <a:off x="4861181" y="5491823"/>
+            <a:ext cx="265903" cy="644500"/>
+          </a:xfrm>
+          <a:prstGeom prst="bentConnector2">
+            <a:avLst/>
+          </a:prstGeom>
+          <a:ln w="19050">
+            <a:solidFill>
+              <a:schemeClr val="accent3"/>
+            </a:solidFill>
+            <a:headEnd type="none" w="med" len="med"/>
+            <a:tailEnd type="arrow" w="med" len="med"/>
+          </a:ln>
+          <a:effectLst/>
+        </p:spPr>
+        <p:style>
+          <a:lnRef idx="1">
+            <a:schemeClr val="accent2"/>
+          </a:lnRef>
+          <a:fillRef idx="2">
+            <a:schemeClr val="accent2"/>
+          </a:fillRef>
+          <a:effectRef idx="1">
+            <a:schemeClr val="accent2"/>
+          </a:effectRef>
+          <a:fontRef idx="minor">
+            <a:schemeClr val="dk1"/>
+          </a:fontRef>
+        </p:style>
+      </p:cxnSp>
+      <p:cxnSp>
+        <p:nvCxnSpPr>
+          <p:cNvPr id="86" name="Elbow Connector 63">
+            <a:extLst>
+              <a:ext uri="{FF2B5EF4-FFF2-40B4-BE49-F238E27FC236}">
+                <a16:creationId xmlns:a16="http://schemas.microsoft.com/office/drawing/2014/main" id="{9E47543C-8F4B-4513-A77A-ADBB01636F11}"/>
+              </a:ext>
+            </a:extLst>
+          </p:cNvPr>
+          <p:cNvCxnSpPr>
+            <a:cxnSpLocks/>
+            <a:stCxn id="99" idx="3"/>
+            <a:endCxn id="72" idx="1"/>
+          </p:cNvCxnSpPr>
+          <p:nvPr/>
+        </p:nvCxnSpPr>
+        <p:spPr>
+          <a:xfrm>
+            <a:off x="3829483" y="5053891"/>
+            <a:ext cx="254503" cy="465329"/>
+          </a:xfrm>
+          <a:prstGeom prst="bentConnector3">
+            <a:avLst>
+              <a:gd name="adj1" fmla="val 50000"/>
+            </a:avLst>
+          </a:prstGeom>
+          <a:ln w="19050">
+            <a:solidFill>
+              <a:schemeClr val="accent3"/>
+            </a:solidFill>
+            <a:headEnd type="none" w="med" len="med"/>
+            <a:tailEnd type="arrow" w="med" len="med"/>
+          </a:ln>
+          <a:effectLst/>
+        </p:spPr>
+        <p:style>
+          <a:lnRef idx="1">
+            <a:schemeClr val="accent2"/>
+          </a:lnRef>
+          <a:fillRef idx="2">
+            <a:schemeClr val="accent2"/>
+          </a:fillRef>
+          <a:effectRef idx="1">
+            <a:schemeClr val="accent2"/>
+          </a:effectRef>
+          <a:fontRef idx="minor">
+            <a:schemeClr val="dk1"/>
+          </a:fontRef>
+        </p:style>
+      </p:cxnSp>
+      <p:sp>
+        <p:nvSpPr>
+          <p:cNvPr id="87" name="Freeform 125">
+            <a:extLst>
+              <a:ext uri="{FF2B5EF4-FFF2-40B4-BE49-F238E27FC236}">
+                <a16:creationId xmlns:a16="http://schemas.microsoft.com/office/drawing/2014/main" id="{AD0A240A-C4CD-4C80-8F27-E18BC420B5A8}"/>
+              </a:ext>
+            </a:extLst>
+          </p:cNvPr>
+          <p:cNvSpPr/>
+          <p:nvPr/>
+        </p:nvSpPr>
+        <p:spPr>
+          <a:xfrm>
+            <a:off x="6570300" y="5898435"/>
+            <a:ext cx="1032621" cy="45719"/>
           </a:xfrm>
           <a:custGeom>
             <a:avLst/>
